--- a/Drone-X-presentation2.pptx
+++ b/Drone-X-presentation2.pptx
@@ -26,7 +26,10 @@
     <p:sldId id="285" r:id="rId20"/>
     <p:sldId id="288" r:id="rId21"/>
     <p:sldId id="286" r:id="rId22"/>
-    <p:sldId id="268" r:id="rId23"/>
+    <p:sldId id="290" r:id="rId23"/>
+    <p:sldId id="292" r:id="rId24"/>
+    <p:sldId id="294" r:id="rId25"/>
+    <p:sldId id="268" r:id="rId26"/>
   </p:sldIdLst>
   <p:sldSz cx="12192000" cy="6858000"/>
   <p:notesSz cx="6858000" cy="9144000"/>
@@ -12734,20 +12737,17 @@
               <a:rPr lang="en-US" dirty="0" smtClean="0">
                 <a:latin typeface="Consolas" panose="020B0609020204030204" pitchFamily="49" charset="0"/>
               </a:rPr>
-              <a:t>Like this, a new population of 20 genotypes (the next generation</a:t>
-            </a:r>
-            <a:r>
-              <a:rPr lang="en-US" smtClean="0">
+              <a:t>Like this, a new population of 20 genotypes (the next generation) is made.</a:t>
+            </a:r>
+          </a:p>
+          <a:p>
+            <a:pPr algn="just"/>
+            <a:r>
+              <a:rPr lang="en-US" dirty="0" smtClean="0">
                 <a:latin typeface="Consolas" panose="020B0609020204030204" pitchFamily="49" charset="0"/>
               </a:rPr>
-              <a:t>) is made.</a:t>
-            </a:r>
-          </a:p>
-          <a:p>
-            <a:pPr algn="just"/>
-            <a:endParaRPr lang="en-US" dirty="0" smtClean="0">
-              <a:latin typeface="Consolas" panose="020B0609020204030204" pitchFamily="49" charset="0"/>
-            </a:endParaRPr>
+              <a:t>The operation of mutation and crossover are of special interest to us.</a:t>
+            </a:r>
           </a:p>
         </p:txBody>
       </p:sp>
@@ -12871,6 +12871,375 @@
 </file>
 
 <file path=ppt/slides/slide22.xml><?xml version="1.0" encoding="utf-8"?>
+<p:sld xmlns:a="http://schemas.openxmlformats.org/drawingml/2006/main" xmlns:r="http://schemas.openxmlformats.org/officeDocument/2006/relationships" xmlns:p="http://schemas.openxmlformats.org/presentationml/2006/main">
+  <p:cSld>
+    <p:spTree>
+      <p:nvGrpSpPr>
+        <p:cNvPr id="1" name=""/>
+        <p:cNvGrpSpPr/>
+        <p:nvPr/>
+      </p:nvGrpSpPr>
+      <p:grpSpPr>
+        <a:xfrm>
+          <a:off x="0" y="0"/>
+          <a:ext cx="0" cy="0"/>
+          <a:chOff x="0" y="0"/>
+          <a:chExt cx="0" cy="0"/>
+        </a:xfrm>
+      </p:grpSpPr>
+      <p:sp>
+        <p:nvSpPr>
+          <p:cNvPr id="2" name="Title 1"/>
+          <p:cNvSpPr>
+            <a:spLocks noGrp="1"/>
+          </p:cNvSpPr>
+          <p:nvPr>
+            <p:ph type="title"/>
+          </p:nvPr>
+        </p:nvSpPr>
+        <p:spPr>
+          <a:xfrm>
+            <a:off x="1371600" y="409575"/>
+            <a:ext cx="9601200" cy="857250"/>
+          </a:xfrm>
+        </p:spPr>
+        <p:txBody>
+          <a:bodyPr/>
+          <a:lstStyle/>
+          <a:p>
+            <a:pPr algn="ctr"/>
+            <a:r>
+              <a:rPr lang="en-US" b="1" dirty="0" smtClean="0">
+                <a:latin typeface="Consolas" panose="020B0609020204030204" pitchFamily="49" charset="0"/>
+              </a:rPr>
+              <a:t>Competing Conventions Proble</a:t>
+            </a:r>
+            <a:r>
+              <a:rPr lang="en-US" b="1" dirty="0">
+                <a:latin typeface="Consolas" panose="020B0609020204030204" pitchFamily="49" charset="0"/>
+              </a:rPr>
+              <a:t>m</a:t>
+            </a:r>
+            <a:endParaRPr lang="en-US" b="1" dirty="0">
+              <a:latin typeface="Consolas" panose="020B0609020204030204" pitchFamily="49" charset="0"/>
+            </a:endParaRPr>
+          </a:p>
+        </p:txBody>
+      </p:sp>
+      <p:pic>
+        <p:nvPicPr>
+          <p:cNvPr id="4" name="Content Placeholder 3"/>
+          <p:cNvPicPr>
+            <a:picLocks noGrp="1" noChangeAspect="1"/>
+          </p:cNvPicPr>
+          <p:nvPr>
+            <p:ph idx="1"/>
+          </p:nvPr>
+        </p:nvPicPr>
+        <p:blipFill>
+          <a:blip r:embed="rId2">
+            <a:extLst>
+              <a:ext uri="{28A0092B-C50C-407E-A947-70E740481C1C}">
+                <a14:useLocalDpi xmlns:a14="http://schemas.microsoft.com/office/drawing/2010/main" val="0"/>
+              </a:ext>
+            </a:extLst>
+          </a:blip>
+          <a:stretch>
+            <a:fillRect/>
+          </a:stretch>
+        </p:blipFill>
+        <p:spPr>
+          <a:xfrm>
+            <a:off x="3348171" y="1495425"/>
+            <a:ext cx="6276707" cy="4838700"/>
+          </a:xfrm>
+        </p:spPr>
+      </p:pic>
+    </p:spTree>
+    <p:extLst>
+      <p:ext uri="{BB962C8B-B14F-4D97-AF65-F5344CB8AC3E}">
+        <p14:creationId xmlns:p14="http://schemas.microsoft.com/office/powerpoint/2010/main" val="1356835775"/>
+      </p:ext>
+    </p:extLst>
+  </p:cSld>
+  <p:clrMapOvr>
+    <a:masterClrMapping/>
+  </p:clrMapOvr>
+  <mc:AlternateContent xmlns:mc="http://schemas.openxmlformats.org/markup-compatibility/2006" xmlns:p14="http://schemas.microsoft.com/office/powerpoint/2010/main">
+    <mc:Choice Requires="p14">
+      <p:transition spd="slow" p14:dur="3400">
+        <p14:reveal/>
+      </p:transition>
+    </mc:Choice>
+    <mc:Fallback xmlns="">
+      <p:transition spd="slow">
+        <p:fade/>
+      </p:transition>
+    </mc:Fallback>
+  </mc:AlternateContent>
+  <p:timing>
+    <p:tnLst>
+      <p:par>
+        <p:cTn id="1" dur="indefinite" restart="never" nodeType="tmRoot"/>
+      </p:par>
+    </p:tnLst>
+  </p:timing>
+</p:sld>
+</file>
+
+<file path=ppt/slides/slide23.xml><?xml version="1.0" encoding="utf-8"?>
+<p:sld xmlns:a="http://schemas.openxmlformats.org/drawingml/2006/main" xmlns:r="http://schemas.openxmlformats.org/officeDocument/2006/relationships" xmlns:p="http://schemas.openxmlformats.org/presentationml/2006/main">
+  <p:cSld>
+    <p:spTree>
+      <p:nvGrpSpPr>
+        <p:cNvPr id="1" name=""/>
+        <p:cNvGrpSpPr/>
+        <p:nvPr/>
+      </p:nvGrpSpPr>
+      <p:grpSpPr>
+        <a:xfrm>
+          <a:off x="0" y="0"/>
+          <a:ext cx="0" cy="0"/>
+          <a:chOff x="0" y="0"/>
+          <a:chExt cx="0" cy="0"/>
+        </a:xfrm>
+      </p:grpSpPr>
+      <p:sp>
+        <p:nvSpPr>
+          <p:cNvPr id="2" name="Title 1"/>
+          <p:cNvSpPr>
+            <a:spLocks noGrp="1"/>
+          </p:cNvSpPr>
+          <p:nvPr>
+            <p:ph type="title"/>
+          </p:nvPr>
+        </p:nvSpPr>
+        <p:spPr>
+          <a:xfrm>
+            <a:off x="1371600" y="409575"/>
+            <a:ext cx="9601200" cy="857250"/>
+          </a:xfrm>
+        </p:spPr>
+        <p:txBody>
+          <a:bodyPr/>
+          <a:lstStyle/>
+          <a:p>
+            <a:pPr algn="ctr"/>
+            <a:r>
+              <a:rPr lang="en-US" b="1" dirty="0" smtClean="0">
+                <a:latin typeface="Consolas" panose="020B0609020204030204" pitchFamily="49" charset="0"/>
+              </a:rPr>
+              <a:t>How does NEAT solve this?</a:t>
+            </a:r>
+            <a:endParaRPr lang="en-US" b="1" dirty="0">
+              <a:latin typeface="Consolas" panose="020B0609020204030204" pitchFamily="49" charset="0"/>
+            </a:endParaRPr>
+          </a:p>
+        </p:txBody>
+      </p:sp>
+      <p:sp>
+        <p:nvSpPr>
+          <p:cNvPr id="3" name="Content Placeholder 2"/>
+          <p:cNvSpPr>
+            <a:spLocks noGrp="1"/>
+          </p:cNvSpPr>
+          <p:nvPr>
+            <p:ph idx="1"/>
+          </p:nvPr>
+        </p:nvSpPr>
+        <p:spPr>
+          <a:xfrm>
+            <a:off x="1371600" y="2380891"/>
+            <a:ext cx="10229850" cy="3953234"/>
+          </a:xfrm>
+        </p:spPr>
+        <p:txBody>
+          <a:bodyPr>
+            <a:normAutofit/>
+          </a:bodyPr>
+          <a:lstStyle/>
+          <a:p>
+            <a:pPr algn="just"/>
+            <a:r>
+              <a:rPr lang="en-US" dirty="0" smtClean="0">
+                <a:latin typeface="Consolas" panose="020B0609020204030204" pitchFamily="49" charset="0"/>
+              </a:rPr>
+              <a:t>NEAT solves the problem of competing conventions by the use of innovation numbers and a special crossover function.</a:t>
+            </a:r>
+          </a:p>
+          <a:p>
+            <a:pPr algn="just"/>
+            <a:r>
+              <a:rPr lang="en-US" dirty="0" smtClean="0">
+                <a:latin typeface="Consolas" panose="020B0609020204030204" pitchFamily="49" charset="0"/>
+              </a:rPr>
+              <a:t>The innovation number is just a simple global counter variable.</a:t>
+            </a:r>
+          </a:p>
+          <a:p>
+            <a:pPr algn="just"/>
+            <a:r>
+              <a:rPr lang="en-US" dirty="0" smtClean="0">
+                <a:latin typeface="Consolas" panose="020B0609020204030204" pitchFamily="49" charset="0"/>
+              </a:rPr>
+              <a:t>When mutation occurs, the new connection additions to the genome are assigned an innovation number.</a:t>
+            </a:r>
+          </a:p>
+          <a:p>
+            <a:pPr algn="just"/>
+            <a:r>
+              <a:rPr lang="en-US" dirty="0" smtClean="0">
+                <a:latin typeface="Consolas" panose="020B0609020204030204" pitchFamily="49" charset="0"/>
+              </a:rPr>
+              <a:t>When two genotypes are to be crossed over, we align the genes with the same innovation numbers and pick either one of the two choices by a coin toss function.</a:t>
+            </a:r>
+          </a:p>
+        </p:txBody>
+      </p:sp>
+    </p:spTree>
+    <p:extLst>
+      <p:ext uri="{BB962C8B-B14F-4D97-AF65-F5344CB8AC3E}">
+        <p14:creationId xmlns:p14="http://schemas.microsoft.com/office/powerpoint/2010/main" val="3188990098"/>
+      </p:ext>
+    </p:extLst>
+  </p:cSld>
+  <p:clrMapOvr>
+    <a:masterClrMapping/>
+  </p:clrMapOvr>
+  <mc:AlternateContent xmlns:mc="http://schemas.openxmlformats.org/markup-compatibility/2006" xmlns:p14="http://schemas.microsoft.com/office/powerpoint/2010/main">
+    <mc:Choice Requires="p14">
+      <p:transition spd="slow" p14:dur="3400">
+        <p14:reveal/>
+      </p:transition>
+    </mc:Choice>
+    <mc:Fallback xmlns="">
+      <p:transition spd="slow">
+        <p:fade/>
+      </p:transition>
+    </mc:Fallback>
+  </mc:AlternateContent>
+  <p:timing>
+    <p:tnLst>
+      <p:par>
+        <p:cTn id="1" dur="indefinite" restart="never" nodeType="tmRoot"/>
+      </p:par>
+    </p:tnLst>
+  </p:timing>
+</p:sld>
+</file>
+
+<file path=ppt/slides/slide24.xml><?xml version="1.0" encoding="utf-8"?>
+<p:sld xmlns:a="http://schemas.openxmlformats.org/drawingml/2006/main" xmlns:r="http://schemas.openxmlformats.org/officeDocument/2006/relationships" xmlns:p="http://schemas.openxmlformats.org/presentationml/2006/main">
+  <p:cSld>
+    <p:spTree>
+      <p:nvGrpSpPr>
+        <p:cNvPr id="1" name=""/>
+        <p:cNvGrpSpPr/>
+        <p:nvPr/>
+      </p:nvGrpSpPr>
+      <p:grpSpPr>
+        <a:xfrm>
+          <a:off x="0" y="0"/>
+          <a:ext cx="0" cy="0"/>
+          <a:chOff x="0" y="0"/>
+          <a:chExt cx="0" cy="0"/>
+        </a:xfrm>
+      </p:grpSpPr>
+      <p:sp>
+        <p:nvSpPr>
+          <p:cNvPr id="2" name="Title 1"/>
+          <p:cNvSpPr>
+            <a:spLocks noGrp="1"/>
+          </p:cNvSpPr>
+          <p:nvPr>
+            <p:ph type="title"/>
+          </p:nvPr>
+        </p:nvSpPr>
+        <p:spPr>
+          <a:xfrm>
+            <a:off x="1371600" y="409575"/>
+            <a:ext cx="9601200" cy="857250"/>
+          </a:xfrm>
+        </p:spPr>
+        <p:txBody>
+          <a:bodyPr/>
+          <a:lstStyle/>
+          <a:p>
+            <a:pPr algn="ctr"/>
+            <a:r>
+              <a:rPr lang="en-US" b="1" dirty="0" smtClean="0">
+                <a:latin typeface="Consolas" panose="020B0609020204030204" pitchFamily="49" charset="0"/>
+              </a:rPr>
+              <a:t>The special crossover function</a:t>
+            </a:r>
+            <a:endParaRPr lang="en-US" b="1" dirty="0">
+              <a:latin typeface="Consolas" panose="020B0609020204030204" pitchFamily="49" charset="0"/>
+            </a:endParaRPr>
+          </a:p>
+        </p:txBody>
+      </p:sp>
+      <p:pic>
+        <p:nvPicPr>
+          <p:cNvPr id="4" name="Content Placeholder 3"/>
+          <p:cNvPicPr>
+            <a:picLocks noGrp="1" noChangeAspect="1"/>
+          </p:cNvPicPr>
+          <p:nvPr>
+            <p:ph idx="1"/>
+          </p:nvPr>
+        </p:nvPicPr>
+        <p:blipFill>
+          <a:blip r:embed="rId2">
+            <a:extLst>
+              <a:ext uri="{28A0092B-C50C-407E-A947-70E740481C1C}">
+                <a14:useLocalDpi xmlns:a14="http://schemas.microsoft.com/office/drawing/2010/main" val="0"/>
+              </a:ext>
+            </a:extLst>
+          </a:blip>
+          <a:stretch>
+            <a:fillRect/>
+          </a:stretch>
+        </p:blipFill>
+        <p:spPr>
+          <a:xfrm>
+            <a:off x="3568560" y="1191104"/>
+            <a:ext cx="5207279" cy="5580632"/>
+          </a:xfrm>
+        </p:spPr>
+      </p:pic>
+    </p:spTree>
+    <p:extLst>
+      <p:ext uri="{BB962C8B-B14F-4D97-AF65-F5344CB8AC3E}">
+        <p14:creationId xmlns:p14="http://schemas.microsoft.com/office/powerpoint/2010/main" val="2665657659"/>
+      </p:ext>
+    </p:extLst>
+  </p:cSld>
+  <p:clrMapOvr>
+    <a:masterClrMapping/>
+  </p:clrMapOvr>
+  <mc:AlternateContent xmlns:mc="http://schemas.openxmlformats.org/markup-compatibility/2006" xmlns:p14="http://schemas.microsoft.com/office/powerpoint/2010/main">
+    <mc:Choice Requires="p14">
+      <p:transition spd="slow" p14:dur="3400">
+        <p14:reveal/>
+      </p:transition>
+    </mc:Choice>
+    <mc:Fallback xmlns="">
+      <p:transition spd="slow">
+        <p:fade/>
+      </p:transition>
+    </mc:Fallback>
+  </mc:AlternateContent>
+  <p:timing>
+    <p:tnLst>
+      <p:par>
+        <p:cTn id="1" dur="indefinite" restart="never" nodeType="tmRoot"/>
+      </p:par>
+    </p:tnLst>
+  </p:timing>
+</p:sld>
+</file>
+
+<file path=ppt/slides/slide25.xml><?xml version="1.0" encoding="utf-8"?>
 <p:sld xmlns:a="http://schemas.openxmlformats.org/drawingml/2006/main" xmlns:r="http://schemas.openxmlformats.org/officeDocument/2006/relationships" xmlns:p="http://schemas.openxmlformats.org/presentationml/2006/main">
   <p:cSld>
     <p:spTree>

--- a/Drone-X-presentation2.pptx
+++ b/Drone-X-presentation2.pptx
@@ -29,7 +29,9 @@
     <p:sldId id="290" r:id="rId23"/>
     <p:sldId id="292" r:id="rId24"/>
     <p:sldId id="294" r:id="rId25"/>
-    <p:sldId id="268" r:id="rId26"/>
+    <p:sldId id="296" r:id="rId26"/>
+    <p:sldId id="298" r:id="rId27"/>
+    <p:sldId id="268" r:id="rId28"/>
   </p:sldIdLst>
   <p:sldSz cx="12192000" cy="6858000"/>
   <p:notesSz cx="6858000" cy="9144000"/>
@@ -12440,6 +12442,13 @@
   <p:clrMapOvr>
     <a:masterClrMapping/>
   </p:clrMapOvr>
+  <p:timing>
+    <p:tnLst>
+      <p:par>
+        <p:cTn id="1" dur="indefinite" restart="never" nodeType="tmRoot"/>
+      </p:par>
+    </p:tnLst>
+  </p:timing>
 </p:sld>
 </file>
 
@@ -12867,6 +12876,13 @@
   <p:clrMapOvr>
     <a:masterClrMapping/>
   </p:clrMapOvr>
+  <p:timing>
+    <p:tnLst>
+      <p:par>
+        <p:cTn id="1" dur="indefinite" restart="never" nodeType="tmRoot"/>
+      </p:par>
+    </p:tnLst>
+  </p:timing>
 </p:sld>
 </file>
 
@@ -13049,8 +13065,8 @@
         </p:nvSpPr>
         <p:spPr>
           <a:xfrm>
-            <a:off x="1371600" y="2380891"/>
-            <a:ext cx="10229850" cy="3953234"/>
+            <a:off x="1371600" y="1621766"/>
+            <a:ext cx="10229850" cy="4712359"/>
           </a:xfrm>
         </p:spPr>
         <p:txBody>
@@ -13092,6 +13108,15 @@
                 <a:latin typeface="Consolas" panose="020B0609020204030204" pitchFamily="49" charset="0"/>
               </a:rPr>
               <a:t>When two genotypes are to be crossed over, we align the genes with the same innovation numbers and pick either one of the two choices by a coin toss function.</a:t>
+            </a:r>
+          </a:p>
+          <a:p>
+            <a:pPr algn="just"/>
+            <a:r>
+              <a:rPr lang="en-US" dirty="0" smtClean="0">
+                <a:latin typeface="Consolas" panose="020B0609020204030204" pitchFamily="49" charset="0"/>
+              </a:rPr>
+              <a:t>The genes with the same innovation numbers are more likely to have a similar effect on the network, so not much data is lost like in the CC problem.</a:t>
             </a:r>
           </a:p>
         </p:txBody>
@@ -13240,6 +13265,505 @@
 </file>
 
 <file path=ppt/slides/slide25.xml><?xml version="1.0" encoding="utf-8"?>
+<p:sld xmlns:a="http://schemas.openxmlformats.org/drawingml/2006/main" xmlns:r="http://schemas.openxmlformats.org/officeDocument/2006/relationships" xmlns:p="http://schemas.openxmlformats.org/presentationml/2006/main">
+  <p:cSld>
+    <p:spTree>
+      <p:nvGrpSpPr>
+        <p:cNvPr id="1" name=""/>
+        <p:cNvGrpSpPr/>
+        <p:nvPr/>
+      </p:nvGrpSpPr>
+      <p:grpSpPr>
+        <a:xfrm>
+          <a:off x="0" y="0"/>
+          <a:ext cx="0" cy="0"/>
+          <a:chOff x="0" y="0"/>
+          <a:chExt cx="0" cy="0"/>
+        </a:xfrm>
+      </p:grpSpPr>
+      <p:sp>
+        <p:nvSpPr>
+          <p:cNvPr id="2" name="Title 1"/>
+          <p:cNvSpPr>
+            <a:spLocks noGrp="1"/>
+          </p:cNvSpPr>
+          <p:nvPr>
+            <p:ph type="title"/>
+          </p:nvPr>
+        </p:nvSpPr>
+        <p:spPr>
+          <a:xfrm>
+            <a:off x="1371600" y="409575"/>
+            <a:ext cx="9601200" cy="857250"/>
+          </a:xfrm>
+        </p:spPr>
+        <p:txBody>
+          <a:bodyPr/>
+          <a:lstStyle/>
+          <a:p>
+            <a:pPr algn="ctr"/>
+            <a:r>
+              <a:rPr lang="en-US" b="1" dirty="0" smtClean="0">
+                <a:latin typeface="Consolas" panose="020B0609020204030204" pitchFamily="49" charset="0"/>
+              </a:rPr>
+              <a:t>The special crossover function</a:t>
+            </a:r>
+            <a:endParaRPr lang="en-US" b="1" dirty="0">
+              <a:latin typeface="Consolas" panose="020B0609020204030204" pitchFamily="49" charset="0"/>
+            </a:endParaRPr>
+          </a:p>
+        </p:txBody>
+      </p:sp>
+      <p:sp>
+        <p:nvSpPr>
+          <p:cNvPr id="3" name="Content Placeholder 2"/>
+          <p:cNvSpPr>
+            <a:spLocks noGrp="1"/>
+          </p:cNvSpPr>
+          <p:nvPr>
+            <p:ph idx="1"/>
+          </p:nvPr>
+        </p:nvSpPr>
+        <p:spPr>
+          <a:xfrm>
+            <a:off x="1371600" y="1828800"/>
+            <a:ext cx="9601200" cy="4606506"/>
+          </a:xfrm>
+        </p:spPr>
+        <p:txBody>
+          <a:bodyPr/>
+          <a:lstStyle/>
+          <a:p>
+            <a:r>
+              <a:rPr lang="en-US" dirty="0" smtClean="0">
+                <a:latin typeface="Consolas" panose="020B0609020204030204" pitchFamily="49" charset="0"/>
+              </a:rPr>
+              <a:t>The steps involved in the crossover function are:</a:t>
+            </a:r>
+          </a:p>
+          <a:p>
+            <a:pPr lvl="1"/>
+            <a:r>
+              <a:rPr lang="en-US" dirty="0" smtClean="0">
+                <a:latin typeface="Consolas" panose="020B0609020204030204" pitchFamily="49" charset="0"/>
+              </a:rPr>
+              <a:t>Align genes with similar innovation numbers.</a:t>
+            </a:r>
+          </a:p>
+          <a:p>
+            <a:pPr lvl="1"/>
+            <a:r>
+              <a:rPr lang="en-US" dirty="0" smtClean="0">
+                <a:latin typeface="Consolas" panose="020B0609020204030204" pitchFamily="49" charset="0"/>
+              </a:rPr>
+              <a:t>This splits the genes into 3 sets {aligned, disjoint, excess}</a:t>
+            </a:r>
+          </a:p>
+          <a:p>
+            <a:pPr lvl="1"/>
+            <a:r>
+              <a:rPr lang="en-US" dirty="0" err="1" smtClean="0">
+                <a:latin typeface="Consolas" panose="020B0609020204030204" pitchFamily="49" charset="0"/>
+              </a:rPr>
+              <a:t>Cointoss</a:t>
+            </a:r>
+            <a:r>
+              <a:rPr lang="en-US" dirty="0" smtClean="0">
+                <a:latin typeface="Consolas" panose="020B0609020204030204" pitchFamily="49" charset="0"/>
+              </a:rPr>
+              <a:t> and choose from the aligned genes.</a:t>
+            </a:r>
+          </a:p>
+          <a:p>
+            <a:pPr lvl="1"/>
+            <a:r>
+              <a:rPr lang="en-US" dirty="0" smtClean="0">
+                <a:latin typeface="Consolas" panose="020B0609020204030204" pitchFamily="49" charset="0"/>
+              </a:rPr>
+              <a:t>Retain all the excess and disjoint genes.</a:t>
+            </a:r>
+          </a:p>
+          <a:p>
+            <a:pPr lvl="1"/>
+            <a:r>
+              <a:rPr lang="en-US" dirty="0" smtClean="0">
+                <a:latin typeface="Consolas" panose="020B0609020204030204" pitchFamily="49" charset="0"/>
+              </a:rPr>
+              <a:t>Construct offspring from these genes.</a:t>
+            </a:r>
+          </a:p>
+          <a:p>
+            <a:pPr lvl="1"/>
+            <a:endParaRPr lang="en-US" dirty="0">
+              <a:latin typeface="Consolas" panose="020B0609020204030204" pitchFamily="49" charset="0"/>
+            </a:endParaRPr>
+          </a:p>
+          <a:p>
+            <a:pPr marL="530352" lvl="1" indent="0">
+              <a:buNone/>
+            </a:pPr>
+            <a:r>
+              <a:rPr lang="en-US" dirty="0" smtClean="0">
+                <a:latin typeface="Consolas" panose="020B0609020204030204" pitchFamily="49" charset="0"/>
+              </a:rPr>
+              <a:t>We can see that, in this way, no genes (information) are lost to a inefficient crossover function.</a:t>
+            </a:r>
+            <a:endParaRPr lang="en-US" dirty="0">
+              <a:latin typeface="Consolas" panose="020B0609020204030204" pitchFamily="49" charset="0"/>
+            </a:endParaRPr>
+          </a:p>
+        </p:txBody>
+      </p:sp>
+    </p:spTree>
+    <p:extLst>
+      <p:ext uri="{BB962C8B-B14F-4D97-AF65-F5344CB8AC3E}">
+        <p14:creationId xmlns:p14="http://schemas.microsoft.com/office/powerpoint/2010/main" val="691308560"/>
+      </p:ext>
+    </p:extLst>
+  </p:cSld>
+  <p:clrMapOvr>
+    <a:masterClrMapping/>
+  </p:clrMapOvr>
+  <mc:AlternateContent xmlns:mc="http://schemas.openxmlformats.org/markup-compatibility/2006" xmlns:p14="http://schemas.microsoft.com/office/powerpoint/2010/main">
+    <mc:Choice Requires="p14">
+      <p:transition spd="slow" p14:dur="3400">
+        <p14:reveal/>
+      </p:transition>
+    </mc:Choice>
+    <mc:Fallback xmlns="">
+      <p:transition spd="slow">
+        <p:fade/>
+      </p:transition>
+    </mc:Fallback>
+  </mc:AlternateContent>
+  <p:timing>
+    <p:tnLst>
+      <p:par>
+        <p:cTn id="1" dur="indefinite" restart="never" nodeType="tmRoot"/>
+      </p:par>
+    </p:tnLst>
+  </p:timing>
+</p:sld>
+</file>
+
+<file path=ppt/slides/slide26.xml><?xml version="1.0" encoding="utf-8"?>
+<p:sld xmlns:a="http://schemas.openxmlformats.org/drawingml/2006/main" xmlns:r="http://schemas.openxmlformats.org/officeDocument/2006/relationships" xmlns:p="http://schemas.openxmlformats.org/presentationml/2006/main">
+  <p:cSld>
+    <p:spTree>
+      <p:nvGrpSpPr>
+        <p:cNvPr id="1" name=""/>
+        <p:cNvGrpSpPr/>
+        <p:nvPr/>
+      </p:nvGrpSpPr>
+      <p:grpSpPr>
+        <a:xfrm>
+          <a:off x="0" y="0"/>
+          <a:ext cx="0" cy="0"/>
+          <a:chOff x="0" y="0"/>
+          <a:chExt cx="0" cy="0"/>
+        </a:xfrm>
+      </p:grpSpPr>
+      <p:sp>
+        <p:nvSpPr>
+          <p:cNvPr id="2" name="Title 1"/>
+          <p:cNvSpPr>
+            <a:spLocks noGrp="1"/>
+          </p:cNvSpPr>
+          <p:nvPr>
+            <p:ph type="title"/>
+          </p:nvPr>
+        </p:nvSpPr>
+        <p:spPr>
+          <a:xfrm>
+            <a:off x="1371600" y="409575"/>
+            <a:ext cx="9601200" cy="1281202"/>
+          </a:xfrm>
+        </p:spPr>
+        <p:txBody>
+          <a:bodyPr>
+            <a:normAutofit fontScale="90000"/>
+          </a:bodyPr>
+          <a:lstStyle/>
+          <a:p>
+            <a:pPr algn="ctr"/>
+            <a:r>
+              <a:rPr lang="en-US" b="1" dirty="0" smtClean="0">
+                <a:latin typeface="Consolas" panose="020B0609020204030204" pitchFamily="49" charset="0"/>
+              </a:rPr>
+              <a:t>How we apply NEAT </a:t>
+            </a:r>
+            <a:r>
+              <a:rPr lang="en-US" b="1" dirty="0" smtClean="0">
+                <a:latin typeface="Consolas" panose="020B0609020204030204" pitchFamily="49" charset="0"/>
+              </a:rPr>
+              <a:t>to control our drone</a:t>
+            </a:r>
+            <a:endParaRPr lang="en-US" b="1" dirty="0">
+              <a:latin typeface="Consolas" panose="020B0609020204030204" pitchFamily="49" charset="0"/>
+            </a:endParaRPr>
+          </a:p>
+        </p:txBody>
+      </p:sp>
+      <p:sp>
+        <p:nvSpPr>
+          <p:cNvPr id="3" name="Content Placeholder 2"/>
+          <p:cNvSpPr>
+            <a:spLocks noGrp="1"/>
+          </p:cNvSpPr>
+          <p:nvPr>
+            <p:ph idx="1"/>
+          </p:nvPr>
+        </p:nvSpPr>
+        <p:spPr>
+          <a:xfrm>
+            <a:off x="1371600" y="1828800"/>
+            <a:ext cx="9601200" cy="4822166"/>
+          </a:xfrm>
+        </p:spPr>
+        <p:txBody>
+          <a:bodyPr>
+            <a:normAutofit lnSpcReduction="10000"/>
+          </a:bodyPr>
+          <a:lstStyle/>
+          <a:p>
+            <a:pPr>
+              <a:buFont typeface="Wingdings" panose="05000000000000000000" pitchFamily="2" charset="2"/>
+              <a:buChar char="§"/>
+            </a:pPr>
+            <a:r>
+              <a:rPr lang="en-US" dirty="0" smtClean="0">
+                <a:latin typeface="Consolas" panose="020B0609020204030204" pitchFamily="49" charset="0"/>
+              </a:rPr>
+              <a:t>To start, we need to decide what the inputs to the neural network and the outputs are.</a:t>
+            </a:r>
+          </a:p>
+          <a:p>
+            <a:pPr>
+              <a:buFont typeface="Wingdings" panose="05000000000000000000" pitchFamily="2" charset="2"/>
+              <a:buChar char="§"/>
+            </a:pPr>
+            <a:r>
+              <a:rPr lang="en-US" dirty="0" smtClean="0">
+                <a:latin typeface="Consolas" panose="020B0609020204030204" pitchFamily="49" charset="0"/>
+              </a:rPr>
+              <a:t>We have planned to experiment with 4 inputs and 4 outputs initially:</a:t>
+            </a:r>
+          </a:p>
+          <a:p>
+            <a:pPr lvl="1">
+              <a:buFont typeface="Courier New" panose="02070309020205020404" pitchFamily="49" charset="0"/>
+              <a:buChar char="o"/>
+            </a:pPr>
+            <a:r>
+              <a:rPr lang="en-US" dirty="0" smtClean="0">
+                <a:latin typeface="Consolas" panose="020B0609020204030204" pitchFamily="49" charset="0"/>
+              </a:rPr>
+              <a:t>The normalized x-coordinate of the drone.</a:t>
+            </a:r>
+          </a:p>
+          <a:p>
+            <a:pPr lvl="1">
+              <a:buFont typeface="Courier New" panose="02070309020205020404" pitchFamily="49" charset="0"/>
+              <a:buChar char="o"/>
+            </a:pPr>
+            <a:r>
+              <a:rPr lang="en-US" dirty="0" smtClean="0">
+                <a:latin typeface="Consolas" panose="020B0609020204030204" pitchFamily="49" charset="0"/>
+              </a:rPr>
+              <a:t>The </a:t>
+            </a:r>
+            <a:r>
+              <a:rPr lang="en-US" dirty="0">
+                <a:latin typeface="Consolas" panose="020B0609020204030204" pitchFamily="49" charset="0"/>
+              </a:rPr>
+              <a:t>normalized </a:t>
+            </a:r>
+            <a:r>
+              <a:rPr lang="en-US" dirty="0" smtClean="0">
+                <a:latin typeface="Consolas" panose="020B0609020204030204" pitchFamily="49" charset="0"/>
+              </a:rPr>
+              <a:t>y-coordinate of </a:t>
+            </a:r>
+            <a:r>
+              <a:rPr lang="en-US" dirty="0">
+                <a:latin typeface="Consolas" panose="020B0609020204030204" pitchFamily="49" charset="0"/>
+              </a:rPr>
+              <a:t>the </a:t>
+            </a:r>
+            <a:r>
+              <a:rPr lang="en-US" dirty="0" smtClean="0">
+                <a:latin typeface="Consolas" panose="020B0609020204030204" pitchFamily="49" charset="0"/>
+              </a:rPr>
+              <a:t>drone.</a:t>
+            </a:r>
+          </a:p>
+          <a:p>
+            <a:pPr lvl="1">
+              <a:buFont typeface="Courier New" panose="02070309020205020404" pitchFamily="49" charset="0"/>
+              <a:buChar char="o"/>
+            </a:pPr>
+            <a:r>
+              <a:rPr lang="en-US" dirty="0" smtClean="0">
+                <a:latin typeface="Consolas" panose="020B0609020204030204" pitchFamily="49" charset="0"/>
+              </a:rPr>
+              <a:t>The </a:t>
+            </a:r>
+            <a:r>
+              <a:rPr lang="en-US" dirty="0">
+                <a:latin typeface="Consolas" panose="020B0609020204030204" pitchFamily="49" charset="0"/>
+              </a:rPr>
+              <a:t>normalized </a:t>
+            </a:r>
+            <a:r>
+              <a:rPr lang="en-US" dirty="0" smtClean="0">
+                <a:latin typeface="Consolas" panose="020B0609020204030204" pitchFamily="49" charset="0"/>
+              </a:rPr>
+              <a:t>x-coordinate </a:t>
+            </a:r>
+            <a:r>
+              <a:rPr lang="en-US" dirty="0">
+                <a:latin typeface="Consolas" panose="020B0609020204030204" pitchFamily="49" charset="0"/>
+              </a:rPr>
+              <a:t>of the </a:t>
+            </a:r>
+            <a:r>
+              <a:rPr lang="en-US" dirty="0" smtClean="0">
+                <a:latin typeface="Consolas" panose="020B0609020204030204" pitchFamily="49" charset="0"/>
+              </a:rPr>
+              <a:t>drone.</a:t>
+            </a:r>
+          </a:p>
+          <a:p>
+            <a:pPr lvl="1">
+              <a:buFont typeface="Courier New" panose="02070309020205020404" pitchFamily="49" charset="0"/>
+              <a:buChar char="o"/>
+            </a:pPr>
+            <a:r>
+              <a:rPr lang="en-US" dirty="0" smtClean="0">
+                <a:latin typeface="Consolas" panose="020B0609020204030204" pitchFamily="49" charset="0"/>
+              </a:rPr>
+              <a:t>The </a:t>
+            </a:r>
+            <a:r>
+              <a:rPr lang="en-US" dirty="0">
+                <a:latin typeface="Consolas" panose="020B0609020204030204" pitchFamily="49" charset="0"/>
+              </a:rPr>
+              <a:t>normalized </a:t>
+            </a:r>
+            <a:r>
+              <a:rPr lang="en-US" dirty="0" smtClean="0">
+                <a:latin typeface="Consolas" panose="020B0609020204030204" pitchFamily="49" charset="0"/>
+              </a:rPr>
+              <a:t>y-coordinate </a:t>
+            </a:r>
+            <a:r>
+              <a:rPr lang="en-US" dirty="0">
+                <a:latin typeface="Consolas" panose="020B0609020204030204" pitchFamily="49" charset="0"/>
+              </a:rPr>
+              <a:t>of the </a:t>
+            </a:r>
+            <a:r>
+              <a:rPr lang="en-US" dirty="0" smtClean="0">
+                <a:latin typeface="Consolas" panose="020B0609020204030204" pitchFamily="49" charset="0"/>
+              </a:rPr>
+              <a:t>drone.</a:t>
+            </a:r>
+          </a:p>
+          <a:p>
+            <a:pPr>
+              <a:buFont typeface="Wingdings" panose="05000000000000000000" pitchFamily="2" charset="2"/>
+              <a:buChar char="§"/>
+            </a:pPr>
+            <a:r>
+              <a:rPr lang="en-US" dirty="0" smtClean="0">
+                <a:latin typeface="Consolas" panose="020B0609020204030204" pitchFamily="49" charset="0"/>
+              </a:rPr>
+              <a:t>The outputs are:</a:t>
+            </a:r>
+          </a:p>
+          <a:p>
+            <a:pPr lvl="1">
+              <a:buFont typeface="Courier New" panose="02070309020205020404" pitchFamily="49" charset="0"/>
+              <a:buChar char="o"/>
+            </a:pPr>
+            <a:r>
+              <a:rPr lang="en-US" dirty="0" smtClean="0">
+                <a:latin typeface="Consolas" panose="020B0609020204030204" pitchFamily="49" charset="0"/>
+              </a:rPr>
+              <a:t>Up</a:t>
+            </a:r>
+          </a:p>
+          <a:p>
+            <a:pPr lvl="1">
+              <a:buFont typeface="Courier New" panose="02070309020205020404" pitchFamily="49" charset="0"/>
+              <a:buChar char="o"/>
+            </a:pPr>
+            <a:r>
+              <a:rPr lang="en-US" dirty="0" smtClean="0">
+                <a:latin typeface="Consolas" panose="020B0609020204030204" pitchFamily="49" charset="0"/>
+              </a:rPr>
+              <a:t>Down</a:t>
+            </a:r>
+          </a:p>
+          <a:p>
+            <a:pPr lvl="1">
+              <a:buFont typeface="Courier New" panose="02070309020205020404" pitchFamily="49" charset="0"/>
+              <a:buChar char="o"/>
+            </a:pPr>
+            <a:r>
+              <a:rPr lang="en-US" dirty="0" smtClean="0">
+                <a:latin typeface="Consolas" panose="020B0609020204030204" pitchFamily="49" charset="0"/>
+              </a:rPr>
+              <a:t>Left </a:t>
+            </a:r>
+          </a:p>
+          <a:p>
+            <a:pPr lvl="1">
+              <a:buFont typeface="Courier New" panose="02070309020205020404" pitchFamily="49" charset="0"/>
+              <a:buChar char="o"/>
+            </a:pPr>
+            <a:r>
+              <a:rPr lang="en-US" dirty="0" smtClean="0">
+                <a:latin typeface="Consolas" panose="020B0609020204030204" pitchFamily="49" charset="0"/>
+              </a:rPr>
+              <a:t>Right</a:t>
+            </a:r>
+          </a:p>
+        </p:txBody>
+      </p:sp>
+    </p:spTree>
+    <p:extLst>
+      <p:ext uri="{BB962C8B-B14F-4D97-AF65-F5344CB8AC3E}">
+        <p14:creationId xmlns:p14="http://schemas.microsoft.com/office/powerpoint/2010/main" val="744089382"/>
+      </p:ext>
+    </p:extLst>
+  </p:cSld>
+  <p:clrMapOvr>
+    <a:masterClrMapping/>
+  </p:clrMapOvr>
+  <mc:AlternateContent xmlns:mc="http://schemas.openxmlformats.org/markup-compatibility/2006" xmlns:p14="http://schemas.microsoft.com/office/powerpoint/2010/main">
+    <mc:Choice Requires="p14">
+      <p:transition spd="slow" p14:dur="3400">
+        <p14:reveal/>
+      </p:transition>
+    </mc:Choice>
+    <mc:Fallback xmlns="">
+      <p:transition spd="slow">
+        <p:fade/>
+      </p:transition>
+    </mc:Fallback>
+  </mc:AlternateContent>
+  <p:timing>
+    <p:tnLst>
+      <p:par>
+        <p:cTn id="1" dur="indefinite" restart="never" nodeType="tmRoot"/>
+      </p:par>
+    </p:tnLst>
+  </p:timing>
+</p:sld>
+</file>
+
+<file path=ppt/slides/slide27.xml><?xml version="1.0" encoding="utf-8"?>
 <p:sld xmlns:a="http://schemas.openxmlformats.org/drawingml/2006/main" xmlns:r="http://schemas.openxmlformats.org/officeDocument/2006/relationships" xmlns:p="http://schemas.openxmlformats.org/presentationml/2006/main">
   <p:cSld>
     <p:spTree>
